--- a/Комбинаторика.pptx
+++ b/Комбинаторика.pptx
@@ -13273,31 +13273,31 @@
               </a:tabLst>
             </a:pPr>
             <a:r>
-              <a:rPr lang="ru-RU" altLang="ru-RU" sz="2800"/>
+              <a:rPr lang="ru-RU" altLang="ru-RU" sz="2800" dirty="0"/>
               <a:t>Сколькими способами можно разместить по </a:t>
             </a:r>
             <a:r>
-              <a:rPr lang="en-US" altLang="ru-RU" sz="2800" b="1" i="1"/>
+              <a:rPr lang="en-US" altLang="ru-RU" sz="2800" b="1" i="1" dirty="0"/>
               <a:t>m</a:t>
             </a:r>
             <a:r>
-              <a:rPr lang="ru-RU" altLang="ru-RU" sz="2800"/>
+              <a:rPr lang="ru-RU" altLang="ru-RU" sz="2800" dirty="0"/>
               <a:t> различным местам любые </a:t>
             </a:r>
             <a:r>
-              <a:rPr lang="en-US" altLang="ru-RU" sz="2800" b="1" i="1"/>
+              <a:rPr lang="en-US" altLang="ru-RU" sz="2800" b="1" i="1" dirty="0"/>
               <a:t>m</a:t>
             </a:r>
             <a:r>
-              <a:rPr lang="ru-RU" altLang="ru-RU" sz="2800"/>
+              <a:rPr lang="ru-RU" altLang="ru-RU" sz="2800" dirty="0"/>
               <a:t> предметов, выбранных из </a:t>
             </a:r>
             <a:r>
-              <a:rPr lang="en-US" altLang="ru-RU" sz="2800" b="1" i="1"/>
+              <a:rPr lang="en-US" altLang="ru-RU" sz="2800" b="1" i="1" dirty="0"/>
               <a:t>n</a:t>
             </a:r>
             <a:r>
-              <a:rPr lang="ru-RU" altLang="ru-RU" sz="2800"/>
+              <a:rPr lang="ru-RU" altLang="ru-RU" sz="2800" dirty="0"/>
               <a:t> различных предметов с повторениями каждого из них любое число раз?</a:t>
             </a:r>
           </a:p>
@@ -13317,7 +13317,7 @@
                 <a:tab pos="7962900" algn="l"/>
               </a:tabLst>
             </a:pPr>
-            <a:endParaRPr lang="ru-RU" altLang="ru-RU" sz="2600">
+            <a:endParaRPr lang="ru-RU" altLang="ru-RU" sz="2600" dirty="0">
               <a:cs typeface="ArialMT" pitchFamily="32" charset="0"/>
             </a:endParaRPr>
           </a:p>
@@ -13337,7 +13337,7 @@
                 <a:tab pos="7962900" algn="l"/>
               </a:tabLst>
             </a:pPr>
-            <a:endParaRPr lang="ru-RU" altLang="ru-RU" sz="2600">
+            <a:endParaRPr lang="ru-RU" altLang="ru-RU" sz="2600" dirty="0">
               <a:cs typeface="ArialMT" pitchFamily="32" charset="0"/>
             </a:endParaRPr>
           </a:p>
@@ -13357,7 +13357,7 @@
                 <a:tab pos="7962900" algn="l"/>
               </a:tabLst>
             </a:pPr>
-            <a:endParaRPr lang="ru-RU" altLang="ru-RU" sz="2600">
+            <a:endParaRPr lang="ru-RU" altLang="ru-RU" sz="2600" dirty="0">
               <a:cs typeface="ArialMT" pitchFamily="32" charset="0"/>
             </a:endParaRPr>
           </a:p>
@@ -13377,7 +13377,7 @@
                 <a:tab pos="7962900" algn="l"/>
               </a:tabLst>
             </a:pPr>
-            <a:endParaRPr lang="ru-RU" altLang="ru-RU" sz="2600">
+            <a:endParaRPr lang="ru-RU" altLang="ru-RU" sz="2600" dirty="0">
               <a:cs typeface="ArialMT" pitchFamily="32" charset="0"/>
             </a:endParaRPr>
           </a:p>
@@ -13397,7 +13397,7 @@
                 <a:tab pos="7962900" algn="l"/>
               </a:tabLst>
             </a:pPr>
-            <a:endParaRPr lang="ru-RU" altLang="ru-RU" sz="2600">
+            <a:endParaRPr lang="ru-RU" altLang="ru-RU" sz="2600" dirty="0">
               <a:cs typeface="ArialMT" pitchFamily="32" charset="0"/>
             </a:endParaRPr>
           </a:p>
@@ -13417,7 +13417,7 @@
                 <a:tab pos="7962900" algn="l"/>
               </a:tabLst>
             </a:pPr>
-            <a:endParaRPr lang="ru-RU" altLang="ru-RU" sz="2600">
+            <a:endParaRPr lang="ru-RU" altLang="ru-RU" sz="2600" dirty="0">
               <a:cs typeface="ArialMT" pitchFamily="32" charset="0"/>
             </a:endParaRPr>
           </a:p>
@@ -13438,7 +13438,7 @@
               </a:tabLst>
             </a:pPr>
             <a:r>
-              <a:rPr lang="ru-RU" altLang="ru-RU" sz="2600">
+              <a:rPr lang="ru-RU" altLang="ru-RU" sz="2600" dirty="0">
                 <a:cs typeface="ArialMT" pitchFamily="32" charset="0"/>
               </a:rPr>
               <a:t>Буквы азбуки Морзе состоят из символов – точка и тире. Сколько букв получим, если потребуем, чтобы каждая буква состояла из пяти указанных символов?</a:t>
@@ -13460,7 +13460,7 @@
                 <a:tab pos="7962900" algn="l"/>
               </a:tabLst>
             </a:pPr>
-            <a:endParaRPr lang="ru-RU" altLang="ru-RU" sz="2600">
+            <a:endParaRPr lang="ru-RU" altLang="ru-RU" sz="2600" dirty="0">
               <a:cs typeface="ArialMT" pitchFamily="32" charset="0"/>
             </a:endParaRPr>
           </a:p>
@@ -13495,7 +13495,7 @@
         </p:blipFill>
         <p:spPr bwMode="auto">
           <a:xfrm>
-            <a:off x="3983038" y="3863975"/>
+            <a:off x="3887788" y="4084637"/>
             <a:ext cx="2316162" cy="995363"/>
           </a:xfrm>
           <a:prstGeom prst="rect">
